--- a/08. Presentaciones/Presentación 7 - 13.11.17.pptx
+++ b/08. Presentaciones/Presentación 7 - 13.11.17.pptx
@@ -5,26 +5,27 @@
     <p:sldMasterId id="2147483696" r:id="rId1"/>
   </p:sldMasterIdLst>
   <p:notesMasterIdLst>
-    <p:notesMasterId r:id="rId16"/>
+    <p:notesMasterId r:id="rId17"/>
   </p:notesMasterIdLst>
   <p:handoutMasterIdLst>
-    <p:handoutMasterId r:id="rId17"/>
+    <p:handoutMasterId r:id="rId18"/>
   </p:handoutMasterIdLst>
   <p:sldIdLst>
     <p:sldId id="277" r:id="rId2"/>
     <p:sldId id="289" r:id="rId3"/>
     <p:sldId id="283" r:id="rId4"/>
-    <p:sldId id="312" r:id="rId5"/>
-    <p:sldId id="284" r:id="rId6"/>
-    <p:sldId id="303" r:id="rId7"/>
-    <p:sldId id="304" r:id="rId8"/>
-    <p:sldId id="306" r:id="rId9"/>
-    <p:sldId id="305" r:id="rId10"/>
-    <p:sldId id="308" r:id="rId11"/>
-    <p:sldId id="309" r:id="rId12"/>
-    <p:sldId id="310" r:id="rId13"/>
-    <p:sldId id="311" r:id="rId14"/>
-    <p:sldId id="302" r:id="rId15"/>
+    <p:sldId id="313" r:id="rId5"/>
+    <p:sldId id="312" r:id="rId6"/>
+    <p:sldId id="284" r:id="rId7"/>
+    <p:sldId id="303" r:id="rId8"/>
+    <p:sldId id="304" r:id="rId9"/>
+    <p:sldId id="306" r:id="rId10"/>
+    <p:sldId id="305" r:id="rId11"/>
+    <p:sldId id="308" r:id="rId12"/>
+    <p:sldId id="309" r:id="rId13"/>
+    <p:sldId id="310" r:id="rId14"/>
+    <p:sldId id="311" r:id="rId15"/>
+    <p:sldId id="302" r:id="rId16"/>
   </p:sldIdLst>
   <p:sldSz cx="12192000" cy="6858000"/>
   <p:notesSz cx="6858000" cy="9144000"/>
@@ -228,7 +229,7 @@
             <a:fld id="{47F7A525-2E97-4D11-852B-BF2E493721D5}" type="datetimeFigureOut">
               <a:rPr lang="es-AR" smtClean="0"/>
               <a:pPr/>
-              <a:t>06/11/2017</a:t>
+              <a:t>10/11/2017</a:t>
             </a:fld>
             <a:endParaRPr lang="es-AR"/>
           </a:p>
@@ -399,7 +400,7 @@
             <a:fld id="{0E639192-A93D-48A4-B281-8DA3B2AD5F46}" type="datetimeFigureOut">
               <a:rPr lang="es-AR" smtClean="0"/>
               <a:pPr/>
-              <a:t>06/11/2017</a:t>
+              <a:t>10/11/2017</a:t>
             </a:fld>
             <a:endParaRPr lang="es-AR"/>
           </a:p>
@@ -866,7 +867,7 @@
             <a:fld id="{7E513DC4-B591-40FB-B153-CBE442BAA60B}" type="datetime1">
               <a:rPr lang="es-AR" smtClean="0"/>
               <a:pPr/>
-              <a:t>06/11/2017</a:t>
+              <a:t>10/11/2017</a:t>
             </a:fld>
             <a:endParaRPr lang="es-AR"/>
           </a:p>
@@ -1152,7 +1153,7 @@
             <a:fld id="{BC50A678-796C-47FE-8727-A3AAF49E2D10}" type="datetime1">
               <a:rPr lang="es-AR" smtClean="0"/>
               <a:pPr/>
-              <a:t>06/11/2017</a:t>
+              <a:t>10/11/2017</a:t>
             </a:fld>
             <a:endParaRPr lang="es-AR"/>
           </a:p>
@@ -1349,7 +1350,7 @@
             <a:fld id="{A7AFFB43-0057-44A6-B675-62CD4F9F4EB1}" type="datetime1">
               <a:rPr lang="es-AR" smtClean="0"/>
               <a:pPr/>
-              <a:t>06/11/2017</a:t>
+              <a:t>10/11/2017</a:t>
             </a:fld>
             <a:endParaRPr lang="es-AR"/>
           </a:p>
@@ -1615,7 +1616,7 @@
             <a:fld id="{5107EDD2-3A41-45F7-9798-5F0A42B67A10}" type="datetime1">
               <a:rPr lang="es-AR" smtClean="0"/>
               <a:pPr/>
-              <a:t>06/11/2017</a:t>
+              <a:t>10/11/2017</a:t>
             </a:fld>
             <a:endParaRPr lang="es-AR"/>
           </a:p>
@@ -2046,7 +2047,7 @@
             <a:fld id="{81A405EA-7F97-484B-BB35-211055BB771A}" type="datetime1">
               <a:rPr lang="es-AR" smtClean="0"/>
               <a:pPr/>
-              <a:t>06/11/2017</a:t>
+              <a:t>10/11/2017</a:t>
             </a:fld>
             <a:endParaRPr lang="es-AR"/>
           </a:p>
@@ -2597,7 +2598,7 @@
             <a:fld id="{F7023107-FE31-4245-9D9D-4DAB5BB365BD}" type="datetime1">
               <a:rPr lang="es-AR" smtClean="0"/>
               <a:pPr/>
-              <a:t>06/11/2017</a:t>
+              <a:t>10/11/2017</a:t>
             </a:fld>
             <a:endParaRPr lang="es-AR"/>
           </a:p>
@@ -3433,7 +3434,7 @@
             <a:fld id="{081FCDBA-D78B-4D74-B477-EFCB1BCA6C42}" type="datetime1">
               <a:rPr lang="es-AR" smtClean="0"/>
               <a:pPr/>
-              <a:t>06/11/2017</a:t>
+              <a:t>10/11/2017</a:t>
             </a:fld>
             <a:endParaRPr lang="es-AR"/>
           </a:p>
@@ -3608,7 +3609,7 @@
             <a:fld id="{20EA1D54-2625-4090-9DAD-29AF83AD3B36}" type="datetime1">
               <a:rPr lang="es-AR" smtClean="0"/>
               <a:pPr/>
-              <a:t>06/11/2017</a:t>
+              <a:t>10/11/2017</a:t>
             </a:fld>
             <a:endParaRPr lang="es-AR"/>
           </a:p>
@@ -3793,7 +3794,7 @@
             <a:fld id="{FCD0E364-B94A-4338-BC1C-A73E1F081813}" type="datetime1">
               <a:rPr lang="es-AR" smtClean="0"/>
               <a:pPr/>
-              <a:t>06/11/2017</a:t>
+              <a:t>10/11/2017</a:t>
             </a:fld>
             <a:endParaRPr lang="es-AR"/>
           </a:p>
@@ -4499,7 +4500,7 @@
             <a:fld id="{0FF6B326-0FEE-47B3-9F77-2568F820D807}" type="datetime1">
               <a:rPr lang="es-AR" smtClean="0"/>
               <a:pPr/>
-              <a:t>06/11/2017</a:t>
+              <a:t>10/11/2017</a:t>
             </a:fld>
             <a:endParaRPr lang="es-AR"/>
           </a:p>
@@ -4736,7 +4737,7 @@
             <a:fld id="{913DAB84-C826-40B0-8ED0-39F2ECE4A200}" type="datetime1">
               <a:rPr lang="es-AR" smtClean="0"/>
               <a:pPr/>
-              <a:t>06/11/2017</a:t>
+              <a:t>10/11/2017</a:t>
             </a:fld>
             <a:endParaRPr lang="es-AR"/>
           </a:p>
@@ -5134,7 +5135,7 @@
             <a:fld id="{8C0226C2-DAEC-4136-9DE8-09FC5E3E671E}" type="datetime1">
               <a:rPr lang="es-AR" smtClean="0"/>
               <a:pPr/>
-              <a:t>06/11/2017</a:t>
+              <a:t>10/11/2017</a:t>
             </a:fld>
             <a:endParaRPr lang="es-AR"/>
           </a:p>
@@ -5257,7 +5258,7 @@
             <a:fld id="{53EE9993-8E0B-4913-A57B-F99EBF98A309}" type="datetime1">
               <a:rPr lang="es-AR" smtClean="0"/>
               <a:pPr/>
-              <a:t>06/11/2017</a:t>
+              <a:t>10/11/2017</a:t>
             </a:fld>
             <a:endParaRPr lang="es-AR"/>
           </a:p>
@@ -5357,7 +5358,7 @@
             <a:fld id="{7FC65BA5-BE01-42C7-88A0-5D66E4C25C69}" type="datetime1">
               <a:rPr lang="es-AR" smtClean="0"/>
               <a:pPr/>
-              <a:t>06/11/2017</a:t>
+              <a:t>10/11/2017</a:t>
             </a:fld>
             <a:endParaRPr lang="es-AR"/>
           </a:p>
@@ -5635,7 +5636,7 @@
             <a:fld id="{E3D3AADB-2F64-4CF7-83E3-78E84AD4D110}" type="datetime1">
               <a:rPr lang="es-AR" smtClean="0"/>
               <a:pPr/>
-              <a:t>06/11/2017</a:t>
+              <a:t>10/11/2017</a:t>
             </a:fld>
             <a:endParaRPr lang="es-AR"/>
           </a:p>
@@ -5921,7 +5922,7 @@
             <a:fld id="{C77D2D86-4208-4F35-BB55-BE3504C41488}" type="datetime1">
               <a:rPr lang="es-AR" smtClean="0"/>
               <a:pPr/>
-              <a:t>06/11/2017</a:t>
+              <a:t>10/11/2017</a:t>
             </a:fld>
             <a:endParaRPr lang="es-AR"/>
           </a:p>
@@ -6162,7 +6163,7 @@
             <a:fld id="{1EA277BA-E2F3-4C3D-9E58-E2E890DB98B1}" type="datetime1">
               <a:rPr lang="es-AR" smtClean="0"/>
               <a:pPr/>
-              <a:t>06/11/2017</a:t>
+              <a:t>10/11/2017</a:t>
             </a:fld>
             <a:endParaRPr lang="es-AR"/>
           </a:p>
@@ -7016,7 +7017,7 @@
           <a:p>
             <a:r>
               <a:rPr lang="es-AR" dirty="0" smtClean="0"/>
-              <a:t>Plan de Prueba</a:t>
+              <a:t>Implementación</a:t>
             </a:r>
             <a:endParaRPr lang="es-AR" dirty="0"/>
           </a:p>
@@ -7038,10 +7039,10 @@
           <a:lstStyle/>
           <a:p>
             <a:r>
-              <a:rPr lang="es-AR" smtClean="0"/>
-              <a:t>OYARZO Mariela – QUIROGA Sandra – MÁRQUEZ EMANUEL</a:t>
-            </a:r>
-            <a:endParaRPr lang="es-AR" dirty="0"/>
+              <a:rPr lang="es-AR" sz="1600" dirty="0" smtClean="0"/>
+              <a:t>OYARZO Mariela – QUIROGA Sandra – MÁRQUEZ Emanuel</a:t>
+            </a:r>
+            <a:endParaRPr lang="es-AR" sz="1600" dirty="0"/>
           </a:p>
         </p:txBody>
       </p:sp>
@@ -7064,6 +7065,226 @@
               <a:rPr lang="es-AR" smtClean="0"/>
               <a:pPr/>
               <a:t>10</a:t>
+            </a:fld>
+            <a:endParaRPr lang="es-AR" dirty="0"/>
+          </a:p>
+        </p:txBody>
+      </p:sp>
+      <p:pic>
+        <p:nvPicPr>
+          <p:cNvPr id="6" name="Imagen 5"/>
+          <p:cNvPicPr>
+            <a:picLocks noChangeAspect="1"/>
+          </p:cNvPicPr>
+          <p:nvPr/>
+        </p:nvPicPr>
+        <p:blipFill rotWithShape="1">
+          <a:blip r:embed="rId2"/>
+          <a:srcRect l="336" t="25062" r="76268" b="46665"/>
+          <a:stretch/>
+        </p:blipFill>
+        <p:spPr>
+          <a:xfrm>
+            <a:off x="626547" y="2014303"/>
+            <a:ext cx="4861102" cy="3302758"/>
+          </a:xfrm>
+          <a:prstGeom prst="rect">
+            <a:avLst/>
+          </a:prstGeom>
+        </p:spPr>
+      </p:pic>
+      <p:sp>
+        <p:nvSpPr>
+          <p:cNvPr id="7" name="CuadroTexto 6"/>
+          <p:cNvSpPr txBox="1"/>
+          <p:nvPr/>
+        </p:nvSpPr>
+        <p:spPr>
+          <a:xfrm>
+            <a:off x="4295718" y="5952484"/>
+            <a:ext cx="3645550" cy="523220"/>
+          </a:xfrm>
+          <a:prstGeom prst="rect">
+            <a:avLst/>
+          </a:prstGeom>
+          <a:noFill/>
+        </p:spPr>
+        <p:txBody>
+          <a:bodyPr wrap="none" rtlCol="0">
+            <a:spAutoFit/>
+          </a:bodyPr>
+          <a:lstStyle/>
+          <a:p>
+            <a:r>
+              <a:rPr lang="es-AR" sz="2800" dirty="0">
+                <a:solidFill>
+                  <a:schemeClr val="bg1">
+                    <a:lumMod val="75000"/>
+                    <a:lumOff val="25000"/>
+                  </a:schemeClr>
+                </a:solidFill>
+              </a:rPr>
+              <a:t>Estructura del </a:t>
+            </a:r>
+            <a:r>
+              <a:rPr lang="es-AR" sz="2800" dirty="0" smtClean="0">
+                <a:solidFill>
+                  <a:schemeClr val="bg1">
+                    <a:lumMod val="75000"/>
+                    <a:lumOff val="25000"/>
+                  </a:schemeClr>
+                </a:solidFill>
+              </a:rPr>
+              <a:t>proyecto</a:t>
+            </a:r>
+            <a:endParaRPr lang="es-AR" sz="2800" dirty="0">
+              <a:solidFill>
+                <a:schemeClr val="bg1">
+                  <a:lumMod val="75000"/>
+                  <a:lumOff val="25000"/>
+                </a:schemeClr>
+              </a:solidFill>
+            </a:endParaRPr>
+          </a:p>
+        </p:txBody>
+      </p:sp>
+      <p:pic>
+        <p:nvPicPr>
+          <p:cNvPr id="8" name="Imagen 7"/>
+          <p:cNvPicPr>
+            <a:picLocks noChangeAspect="1"/>
+          </p:cNvPicPr>
+          <p:nvPr/>
+        </p:nvPicPr>
+        <p:blipFill rotWithShape="1">
+          <a:blip r:embed="rId3"/>
+          <a:srcRect l="2686" t="13316" r="69329" b="8636"/>
+          <a:stretch/>
+        </p:blipFill>
+        <p:spPr>
+          <a:xfrm>
+            <a:off x="7254844" y="1708803"/>
+            <a:ext cx="2678866" cy="4200458"/>
+          </a:xfrm>
+          <a:prstGeom prst="rect">
+            <a:avLst/>
+          </a:prstGeom>
+        </p:spPr>
+      </p:pic>
+    </p:spTree>
+    <p:extLst>
+      <p:ext uri="{BB962C8B-B14F-4D97-AF65-F5344CB8AC3E}">
+        <p14:creationId xmlns:p14="http://schemas.microsoft.com/office/powerpoint/2010/main" val="1837470963"/>
+      </p:ext>
+    </p:extLst>
+  </p:cSld>
+  <p:clrMapOvr>
+    <a:masterClrMapping/>
+  </p:clrMapOvr>
+  <mc:AlternateContent xmlns:mc="http://schemas.openxmlformats.org/markup-compatibility/2006" xmlns:p14="http://schemas.microsoft.com/office/powerpoint/2010/main">
+    <mc:Choice Requires="p14">
+      <p:transition spd="slow">
+        <p14:reveal/>
+      </p:transition>
+    </mc:Choice>
+    <mc:Fallback xmlns="">
+      <p:transition spd="slow">
+        <p:fade/>
+      </p:transition>
+    </mc:Fallback>
+  </mc:AlternateContent>
+  <p:timing>
+    <p:tnLst>
+      <p:par>
+        <p:cTn id="1" dur="indefinite" restart="never" nodeType="tmRoot"/>
+      </p:par>
+    </p:tnLst>
+  </p:timing>
+</p:sld>
+</file>
+
+<file path=ppt/slides/slide11.xml><?xml version="1.0" encoding="utf-8"?>
+<p:sld xmlns:a="http://schemas.openxmlformats.org/drawingml/2006/main" xmlns:r="http://schemas.openxmlformats.org/officeDocument/2006/relationships" xmlns:p="http://schemas.openxmlformats.org/presentationml/2006/main">
+  <p:cSld>
+    <p:spTree>
+      <p:nvGrpSpPr>
+        <p:cNvPr id="1" name=""/>
+        <p:cNvGrpSpPr/>
+        <p:nvPr/>
+      </p:nvGrpSpPr>
+      <p:grpSpPr>
+        <a:xfrm>
+          <a:off x="0" y="0"/>
+          <a:ext cx="0" cy="0"/>
+          <a:chOff x="0" y="0"/>
+          <a:chExt cx="0" cy="0"/>
+        </a:xfrm>
+      </p:grpSpPr>
+      <p:sp>
+        <p:nvSpPr>
+          <p:cNvPr id="3" name="Título 2"/>
+          <p:cNvSpPr>
+            <a:spLocks noGrp="1"/>
+          </p:cNvSpPr>
+          <p:nvPr>
+            <p:ph type="title"/>
+          </p:nvPr>
+        </p:nvSpPr>
+        <p:spPr/>
+        <p:txBody>
+          <a:bodyPr/>
+          <a:lstStyle/>
+          <a:p>
+            <a:r>
+              <a:rPr lang="es-AR" dirty="0" smtClean="0"/>
+              <a:t>Plan de Prueba</a:t>
+            </a:r>
+            <a:endParaRPr lang="es-AR" dirty="0"/>
+          </a:p>
+        </p:txBody>
+      </p:sp>
+      <p:sp>
+        <p:nvSpPr>
+          <p:cNvPr id="4" name="Marcador de pie de página 3"/>
+          <p:cNvSpPr>
+            <a:spLocks noGrp="1"/>
+          </p:cNvSpPr>
+          <p:nvPr>
+            <p:ph type="ftr" sz="quarter" idx="11"/>
+          </p:nvPr>
+        </p:nvSpPr>
+        <p:spPr/>
+        <p:txBody>
+          <a:bodyPr/>
+          <a:lstStyle/>
+          <a:p>
+            <a:r>
+              <a:rPr lang="es-AR" smtClean="0"/>
+              <a:t>OYARZO Mariela – QUIROGA Sandra – MÁRQUEZ EMANUEL</a:t>
+            </a:r>
+            <a:endParaRPr lang="es-AR" dirty="0"/>
+          </a:p>
+        </p:txBody>
+      </p:sp>
+      <p:sp>
+        <p:nvSpPr>
+          <p:cNvPr id="5" name="Marcador de número de diapositiva 4"/>
+          <p:cNvSpPr>
+            <a:spLocks noGrp="1"/>
+          </p:cNvSpPr>
+          <p:nvPr>
+            <p:ph type="sldNum" sz="quarter" idx="12"/>
+          </p:nvPr>
+        </p:nvSpPr>
+        <p:spPr/>
+        <p:txBody>
+          <a:bodyPr/>
+          <a:lstStyle/>
+          <a:p>
+            <a:fld id="{779E3280-5C43-43EF-BE7D-8C553A58A779}" type="slidenum">
+              <a:rPr lang="es-AR" smtClean="0"/>
+              <a:pPr/>
+              <a:t>11</a:t>
             </a:fld>
             <a:endParaRPr lang="es-AR" dirty="0"/>
           </a:p>
@@ -7834,7 +8055,7 @@
 </p:sld>
 </file>
 
-<file path=ppt/slides/slide11.xml><?xml version="1.0" encoding="utf-8"?>
+<file path=ppt/slides/slide12.xml><?xml version="1.0" encoding="utf-8"?>
 <p:sld xmlns:a="http://schemas.openxmlformats.org/drawingml/2006/main" xmlns:r="http://schemas.openxmlformats.org/officeDocument/2006/relationships" xmlns:p="http://schemas.openxmlformats.org/presentationml/2006/main">
   <p:cSld>
     <p:spTree>
@@ -7915,7 +8136,7 @@
             <a:fld id="{779E3280-5C43-43EF-BE7D-8C553A58A779}" type="slidenum">
               <a:rPr lang="es-AR" smtClean="0"/>
               <a:pPr/>
-              <a:t>11</a:t>
+              <a:t>12</a:t>
             </a:fld>
             <a:endParaRPr lang="es-AR" dirty="0"/>
           </a:p>
@@ -8789,7 +9010,7 @@
 </p:sld>
 </file>
 
-<file path=ppt/slides/slide12.xml><?xml version="1.0" encoding="utf-8"?>
+<file path=ppt/slides/slide13.xml><?xml version="1.0" encoding="utf-8"?>
 <p:sld xmlns:a="http://schemas.openxmlformats.org/drawingml/2006/main" xmlns:r="http://schemas.openxmlformats.org/officeDocument/2006/relationships" xmlns:p="http://schemas.openxmlformats.org/presentationml/2006/main">
   <p:cSld>
     <p:spTree>
@@ -8870,7 +9091,7 @@
             <a:fld id="{779E3280-5C43-43EF-BE7D-8C553A58A779}" type="slidenum">
               <a:rPr lang="es-AR" smtClean="0"/>
               <a:pPr/>
-              <a:t>12</a:t>
+              <a:t>13</a:t>
             </a:fld>
             <a:endParaRPr lang="es-AR" dirty="0"/>
           </a:p>
@@ -8954,7 +9175,7 @@
 </p:sld>
 </file>
 
-<file path=ppt/slides/slide13.xml><?xml version="1.0" encoding="utf-8"?>
+<file path=ppt/slides/slide14.xml><?xml version="1.0" encoding="utf-8"?>
 <p:sld xmlns:a="http://schemas.openxmlformats.org/drawingml/2006/main" xmlns:r="http://schemas.openxmlformats.org/officeDocument/2006/relationships" xmlns:p="http://schemas.openxmlformats.org/presentationml/2006/main">
   <p:cSld>
     <p:spTree>
@@ -9035,7 +9256,7 @@
             <a:fld id="{779E3280-5C43-43EF-BE7D-8C553A58A779}" type="slidenum">
               <a:rPr lang="es-AR" smtClean="0"/>
               <a:pPr/>
-              <a:t>13</a:t>
+              <a:t>14</a:t>
             </a:fld>
             <a:endParaRPr lang="es-AR" dirty="0"/>
           </a:p>
@@ -9096,7 +9317,7 @@
 </p:sld>
 </file>
 
-<file path=ppt/slides/slide14.xml><?xml version="1.0" encoding="utf-8"?>
+<file path=ppt/slides/slide15.xml><?xml version="1.0" encoding="utf-8"?>
 <p:sld xmlns:a="http://schemas.openxmlformats.org/drawingml/2006/main" xmlns:r="http://schemas.openxmlformats.org/officeDocument/2006/relationships" xmlns:p="http://schemas.openxmlformats.org/presentationml/2006/main">
   <p:cSld>
     <p:spTree>
@@ -9177,7 +9398,7 @@
             <a:fld id="{779E3280-5C43-43EF-BE7D-8C553A58A779}" type="slidenum">
               <a:rPr lang="es-AR" smtClean="0"/>
               <a:pPr/>
-              <a:t>14</a:t>
+              <a:t>15</a:t>
             </a:fld>
             <a:endParaRPr lang="es-AR" dirty="0"/>
           </a:p>
@@ -9552,7 +9773,7 @@
         </p:blipFill>
         <p:spPr>
           <a:xfrm>
-            <a:off x="1078172" y="1503643"/>
+            <a:off x="750626" y="1503643"/>
             <a:ext cx="10126640" cy="4843812"/>
           </a:xfrm>
           <a:prstGeom prst="rect">
@@ -9626,7 +9847,7 @@
           <a:p>
             <a:r>
               <a:rPr lang="es-AR" dirty="0" smtClean="0"/>
-              <a:t>Modelo de Datos</a:t>
+              <a:t>Gestión de Riesgos</a:t>
             </a:r>
             <a:endParaRPr lang="es-AR" dirty="0"/>
           </a:p>
@@ -9681,82 +9902,31 @@
       </p:sp>
       <p:pic>
         <p:nvPicPr>
-          <p:cNvPr id="8" name="Imagen 7"/>
+          <p:cNvPr id="2" name="Imagen 1"/>
           <p:cNvPicPr>
             <a:picLocks noChangeAspect="1"/>
           </p:cNvPicPr>
           <p:nvPr/>
         </p:nvPicPr>
-        <p:blipFill>
-          <a:blip r:embed="rId2" cstate="print">
-            <a:extLst>
-              <a:ext uri="{28A0092B-C50C-407E-A947-70E740481C1C}">
-                <a14:useLocalDpi xmlns:a14="http://schemas.microsoft.com/office/drawing/2010/main" val="0"/>
-              </a:ext>
-            </a:extLst>
-          </a:blip>
-          <a:stretch>
-            <a:fillRect/>
-          </a:stretch>
+        <p:blipFill rotWithShape="1">
+          <a:blip r:embed="rId2"/>
+          <a:srcRect l="448" t="15505" r="81194" b="46467"/>
+          <a:stretch/>
         </p:blipFill>
         <p:spPr>
           <a:xfrm>
-            <a:off x="696877" y="1507506"/>
-            <a:ext cx="7086428" cy="4887596"/>
+            <a:off x="281171" y="1501253"/>
+            <a:ext cx="3996008" cy="4653888"/>
           </a:xfrm>
           <a:prstGeom prst="rect">
             <a:avLst/>
           </a:prstGeom>
         </p:spPr>
       </p:pic>
-      <p:sp>
-        <p:nvSpPr>
-          <p:cNvPr id="10" name="CuadroTexto 9"/>
-          <p:cNvSpPr txBox="1"/>
-          <p:nvPr/>
-        </p:nvSpPr>
-        <p:spPr>
-          <a:xfrm>
-            <a:off x="6902309" y="5871882"/>
-            <a:ext cx="4997907" cy="523220"/>
-          </a:xfrm>
-          <a:prstGeom prst="rect">
-            <a:avLst/>
-          </a:prstGeom>
-          <a:noFill/>
-        </p:spPr>
-        <p:txBody>
-          <a:bodyPr wrap="none" rtlCol="0">
-            <a:spAutoFit/>
-          </a:bodyPr>
-          <a:lstStyle/>
-          <a:p>
-            <a:r>
-              <a:rPr lang="es-AR" sz="2800" dirty="0" smtClean="0">
-                <a:solidFill>
-                  <a:schemeClr val="bg1">
-                    <a:lumMod val="75000"/>
-                    <a:lumOff val="25000"/>
-                  </a:schemeClr>
-                </a:solidFill>
-              </a:rPr>
-              <a:t>Diagrama Entidad Relación (Día)</a:t>
-            </a:r>
-            <a:endParaRPr lang="es-AR" sz="2800" dirty="0">
-              <a:solidFill>
-                <a:schemeClr val="bg1">
-                  <a:lumMod val="75000"/>
-                  <a:lumOff val="25000"/>
-                </a:schemeClr>
-              </a:solidFill>
-            </a:endParaRPr>
-          </a:p>
-        </p:txBody>
-      </p:sp>
     </p:spTree>
     <p:extLst>
       <p:ext uri="{BB962C8B-B14F-4D97-AF65-F5344CB8AC3E}">
-        <p14:creationId xmlns:p14="http://schemas.microsoft.com/office/powerpoint/2010/main" val="1234080374"/>
+        <p14:creationId xmlns:p14="http://schemas.microsoft.com/office/powerpoint/2010/main" val="1036490830"/>
       </p:ext>
     </p:extLst>
   </p:cSld>
@@ -9874,14 +10044,14 @@
       </p:sp>
       <p:pic>
         <p:nvPicPr>
-          <p:cNvPr id="6" name="Imagen 5"/>
+          <p:cNvPr id="8" name="Imagen 7"/>
           <p:cNvPicPr>
             <a:picLocks noChangeAspect="1"/>
           </p:cNvPicPr>
           <p:nvPr/>
         </p:nvPicPr>
         <p:blipFill>
-          <a:blip r:embed="rId2">
+          <a:blip r:embed="rId2" cstate="print">
             <a:extLst>
               <a:ext uri="{28A0092B-C50C-407E-A947-70E740481C1C}">
                 <a14:useLocalDpi xmlns:a14="http://schemas.microsoft.com/office/drawing/2010/main" val="0"/>
@@ -9894,8 +10064,8 @@
         </p:blipFill>
         <p:spPr>
           <a:xfrm>
-            <a:off x="1425895" y="1526942"/>
-            <a:ext cx="4742892" cy="4879074"/>
+            <a:off x="696877" y="1507506"/>
+            <a:ext cx="7086428" cy="4887596"/>
           </a:xfrm>
           <a:prstGeom prst="rect">
             <a:avLst/>
@@ -9904,155 +10074,52 @@
       </p:pic>
       <p:sp>
         <p:nvSpPr>
-          <p:cNvPr id="9" name="1 Marcador de contenido"/>
-          <p:cNvSpPr>
-            <a:spLocks noGrp="1"/>
-          </p:cNvSpPr>
-          <p:nvPr>
-            <p:ph idx="1"/>
-          </p:nvPr>
+          <p:cNvPr id="10" name="CuadroTexto 9"/>
+          <p:cNvSpPr txBox="1"/>
+          <p:nvPr/>
         </p:nvSpPr>
         <p:spPr>
           <a:xfrm>
-            <a:off x="7697668" y="1592037"/>
-            <a:ext cx="3056436" cy="4718534"/>
+            <a:off x="6902309" y="5871882"/>
+            <a:ext cx="4997907" cy="523220"/>
           </a:xfrm>
+          <a:prstGeom prst="rect">
+            <a:avLst/>
+          </a:prstGeom>
+          <a:noFill/>
         </p:spPr>
         <p:txBody>
-          <a:bodyPr>
-            <a:normAutofit fontScale="77500" lnSpcReduction="20000"/>
+          <a:bodyPr wrap="none" rtlCol="0">
+            <a:spAutoFit/>
           </a:bodyPr>
           <a:lstStyle/>
           <a:p>
-            <a:pPr marL="0" indent="0">
-              <a:buNone/>
-            </a:pPr>
-            <a:r>
-              <a:rPr lang="es-ES" dirty="0" smtClean="0"/>
-              <a:t>Asignatura.</a:t>
-            </a:r>
-          </a:p>
-          <a:p>
-            <a:pPr marL="0" indent="0">
-              <a:buNone/>
-            </a:pPr>
-            <a:r>
-              <a:rPr lang="es-ES" dirty="0" smtClean="0"/>
-              <a:t>Aula.</a:t>
-            </a:r>
-          </a:p>
-          <a:p>
-            <a:pPr marL="0" indent="0">
-              <a:buNone/>
-            </a:pPr>
-            <a:r>
-              <a:rPr lang="es-ES" dirty="0" smtClean="0"/>
-              <a:t>Carrera.</a:t>
-            </a:r>
-          </a:p>
-          <a:p>
-            <a:pPr marL="0" indent="0">
-              <a:buNone/>
-            </a:pPr>
-            <a:r>
-              <a:rPr lang="es-ES" dirty="0" smtClean="0"/>
-              <a:t>Clase.</a:t>
-            </a:r>
-          </a:p>
-          <a:p>
-            <a:pPr marL="0" indent="0">
-              <a:buNone/>
-            </a:pPr>
-            <a:r>
-              <a:rPr lang="es-ES" dirty="0" smtClean="0"/>
-              <a:t>Docente.</a:t>
-            </a:r>
-          </a:p>
-          <a:p>
-            <a:pPr marL="0" indent="0">
-              <a:buNone/>
-            </a:pPr>
-            <a:r>
-              <a:rPr lang="es-ES" dirty="0" smtClean="0"/>
-              <a:t>Llamado.</a:t>
-            </a:r>
-          </a:p>
-          <a:p>
-            <a:pPr marL="0" indent="0">
-              <a:buNone/>
-            </a:pPr>
-            <a:r>
-              <a:rPr lang="es-ES" dirty="0" smtClean="0"/>
-              <a:t>Mesa de examen.</a:t>
-            </a:r>
-          </a:p>
-          <a:p>
-            <a:pPr marL="0" indent="0">
-              <a:buNone/>
-            </a:pPr>
-            <a:r>
-              <a:rPr lang="es-ES" dirty="0" smtClean="0"/>
-              <a:t>Permiso.</a:t>
-            </a:r>
-          </a:p>
-          <a:p>
-            <a:pPr marL="0" indent="0">
-              <a:buNone/>
-            </a:pPr>
-            <a:r>
-              <a:rPr lang="es-ES" dirty="0" smtClean="0"/>
-              <a:t>Rol.</a:t>
-            </a:r>
-          </a:p>
-          <a:p>
-            <a:pPr marL="0" indent="0">
-              <a:buNone/>
-            </a:pPr>
-            <a:r>
-              <a:rPr lang="es-ES" dirty="0" smtClean="0"/>
-              <a:t>Tribunal.</a:t>
-            </a:r>
-          </a:p>
-          <a:p>
-            <a:pPr marL="0" indent="0">
-              <a:buNone/>
-            </a:pPr>
-            <a:r>
-              <a:rPr lang="es-ES" dirty="0" smtClean="0"/>
-              <a:t>Usuario.</a:t>
-            </a:r>
-          </a:p>
-          <a:p>
-            <a:pPr marL="0" indent="0">
-              <a:buNone/>
-            </a:pPr>
-            <a:r>
-              <a:rPr lang="es-ES" dirty="0" smtClean="0"/>
-              <a:t>Usuario manual.</a:t>
-            </a:r>
-          </a:p>
-          <a:p>
-            <a:pPr marL="0" indent="0">
-              <a:buNone/>
-            </a:pPr>
-            <a:r>
-              <a:rPr lang="es-ES" dirty="0" smtClean="0"/>
-              <a:t>Usuario Google.</a:t>
-            </a:r>
-          </a:p>
-          <a:p>
-            <a:pPr marL="514350" indent="-514350">
-              <a:buFont typeface="+mj-lt"/>
-              <a:buAutoNum type="arabicPeriod"/>
-            </a:pPr>
-            <a:endParaRPr lang="es-ES" dirty="0" smtClean="0"/>
+            <a:r>
+              <a:rPr lang="es-AR" sz="2800" dirty="0" smtClean="0">
+                <a:solidFill>
+                  <a:schemeClr val="bg1">
+                    <a:lumMod val="75000"/>
+                    <a:lumOff val="25000"/>
+                  </a:schemeClr>
+                </a:solidFill>
+              </a:rPr>
+              <a:t>Diagrama Entidad Relación (Día)</a:t>
+            </a:r>
+            <a:endParaRPr lang="es-AR" sz="2800" dirty="0">
+              <a:solidFill>
+                <a:schemeClr val="bg1">
+                  <a:lumMod val="75000"/>
+                  <a:lumOff val="25000"/>
+                </a:schemeClr>
+              </a:solidFill>
+            </a:endParaRPr>
           </a:p>
         </p:txBody>
       </p:sp>
     </p:spTree>
     <p:extLst>
       <p:ext uri="{BB962C8B-B14F-4D97-AF65-F5344CB8AC3E}">
-        <p14:creationId xmlns:p14="http://schemas.microsoft.com/office/powerpoint/2010/main" val="51523331"/>
+        <p14:creationId xmlns:p14="http://schemas.microsoft.com/office/powerpoint/2010/main" val="1234080374"/>
       </p:ext>
     </p:extLst>
   </p:cSld>
@@ -10115,7 +10182,7 @@
           <a:p>
             <a:r>
               <a:rPr lang="es-AR" dirty="0" smtClean="0"/>
-              <a:t>Modelo de Diseño</a:t>
+              <a:t>Modelo de Datos</a:t>
             </a:r>
             <a:endParaRPr lang="es-AR" dirty="0"/>
           </a:p>
@@ -10170,14 +10237,14 @@
       </p:sp>
       <p:pic>
         <p:nvPicPr>
-          <p:cNvPr id="7" name="Imagen 6"/>
+          <p:cNvPr id="6" name="Imagen 5"/>
           <p:cNvPicPr>
             <a:picLocks noChangeAspect="1"/>
           </p:cNvPicPr>
           <p:nvPr/>
         </p:nvPicPr>
         <p:blipFill>
-          <a:blip r:embed="rId2" cstate="print">
+          <a:blip r:embed="rId2">
             <a:extLst>
               <a:ext uri="{28A0092B-C50C-407E-A947-70E740481C1C}">
                 <a14:useLocalDpi xmlns:a14="http://schemas.microsoft.com/office/drawing/2010/main" val="0"/>
@@ -10190,8 +10257,8 @@
         </p:blipFill>
         <p:spPr>
           <a:xfrm>
-            <a:off x="1648328" y="1500430"/>
-            <a:ext cx="4738824" cy="4901748"/>
+            <a:off x="1425895" y="1526942"/>
+            <a:ext cx="4742892" cy="4879074"/>
           </a:xfrm>
           <a:prstGeom prst="rect">
             <a:avLst/>
@@ -10200,52 +10267,155 @@
       </p:pic>
       <p:sp>
         <p:nvSpPr>
-          <p:cNvPr id="10" name="CuadroTexto 9"/>
-          <p:cNvSpPr txBox="1"/>
-          <p:nvPr/>
+          <p:cNvPr id="9" name="1 Marcador de contenido"/>
+          <p:cNvSpPr>
+            <a:spLocks noGrp="1"/>
+          </p:cNvSpPr>
+          <p:nvPr>
+            <p:ph idx="1"/>
+          </p:nvPr>
         </p:nvSpPr>
         <p:spPr>
           <a:xfrm>
-            <a:off x="6656649" y="5875163"/>
-            <a:ext cx="3047629" cy="523220"/>
+            <a:off x="7697668" y="1592037"/>
+            <a:ext cx="3056436" cy="4718534"/>
           </a:xfrm>
-          <a:prstGeom prst="rect">
-            <a:avLst/>
-          </a:prstGeom>
-          <a:noFill/>
         </p:spPr>
         <p:txBody>
-          <a:bodyPr wrap="none" rtlCol="0">
-            <a:spAutoFit/>
+          <a:bodyPr>
+            <a:normAutofit fontScale="77500" lnSpcReduction="20000"/>
           </a:bodyPr>
           <a:lstStyle/>
           <a:p>
-            <a:r>
-              <a:rPr lang="es-AR" sz="2800" dirty="0" smtClean="0">
-                <a:solidFill>
-                  <a:schemeClr val="bg1">
-                    <a:lumMod val="75000"/>
-                    <a:lumOff val="25000"/>
-                  </a:schemeClr>
-                </a:solidFill>
-              </a:rPr>
-              <a:t>Diagrama de clases</a:t>
-            </a:r>
-            <a:endParaRPr lang="es-AR" sz="2800" dirty="0">
-              <a:solidFill>
-                <a:schemeClr val="bg1">
-                  <a:lumMod val="75000"/>
-                  <a:lumOff val="25000"/>
-                </a:schemeClr>
-              </a:solidFill>
-            </a:endParaRPr>
+            <a:pPr marL="0" indent="0">
+              <a:buNone/>
+            </a:pPr>
+            <a:r>
+              <a:rPr lang="es-ES" dirty="0" smtClean="0"/>
+              <a:t>Asignatura.</a:t>
+            </a:r>
+          </a:p>
+          <a:p>
+            <a:pPr marL="0" indent="0">
+              <a:buNone/>
+            </a:pPr>
+            <a:r>
+              <a:rPr lang="es-ES" dirty="0" smtClean="0"/>
+              <a:t>Aula.</a:t>
+            </a:r>
+          </a:p>
+          <a:p>
+            <a:pPr marL="0" indent="0">
+              <a:buNone/>
+            </a:pPr>
+            <a:r>
+              <a:rPr lang="es-ES" dirty="0" smtClean="0"/>
+              <a:t>Carrera.</a:t>
+            </a:r>
+          </a:p>
+          <a:p>
+            <a:pPr marL="0" indent="0">
+              <a:buNone/>
+            </a:pPr>
+            <a:r>
+              <a:rPr lang="es-ES" dirty="0" smtClean="0"/>
+              <a:t>Clase.</a:t>
+            </a:r>
+          </a:p>
+          <a:p>
+            <a:pPr marL="0" indent="0">
+              <a:buNone/>
+            </a:pPr>
+            <a:r>
+              <a:rPr lang="es-ES" dirty="0" smtClean="0"/>
+              <a:t>Docente.</a:t>
+            </a:r>
+          </a:p>
+          <a:p>
+            <a:pPr marL="0" indent="0">
+              <a:buNone/>
+            </a:pPr>
+            <a:r>
+              <a:rPr lang="es-ES" dirty="0" smtClean="0"/>
+              <a:t>Llamado.</a:t>
+            </a:r>
+          </a:p>
+          <a:p>
+            <a:pPr marL="0" indent="0">
+              <a:buNone/>
+            </a:pPr>
+            <a:r>
+              <a:rPr lang="es-ES" dirty="0" smtClean="0"/>
+              <a:t>Mesa de examen.</a:t>
+            </a:r>
+          </a:p>
+          <a:p>
+            <a:pPr marL="0" indent="0">
+              <a:buNone/>
+            </a:pPr>
+            <a:r>
+              <a:rPr lang="es-ES" dirty="0" smtClean="0"/>
+              <a:t>Permiso.</a:t>
+            </a:r>
+          </a:p>
+          <a:p>
+            <a:pPr marL="0" indent="0">
+              <a:buNone/>
+            </a:pPr>
+            <a:r>
+              <a:rPr lang="es-ES" dirty="0" smtClean="0"/>
+              <a:t>Rol.</a:t>
+            </a:r>
+          </a:p>
+          <a:p>
+            <a:pPr marL="0" indent="0">
+              <a:buNone/>
+            </a:pPr>
+            <a:r>
+              <a:rPr lang="es-ES" dirty="0" smtClean="0"/>
+              <a:t>Tribunal.</a:t>
+            </a:r>
+          </a:p>
+          <a:p>
+            <a:pPr marL="0" indent="0">
+              <a:buNone/>
+            </a:pPr>
+            <a:r>
+              <a:rPr lang="es-ES" dirty="0" smtClean="0"/>
+              <a:t>Usuario.</a:t>
+            </a:r>
+          </a:p>
+          <a:p>
+            <a:pPr marL="0" indent="0">
+              <a:buNone/>
+            </a:pPr>
+            <a:r>
+              <a:rPr lang="es-ES" dirty="0" smtClean="0"/>
+              <a:t>Usuario manual.</a:t>
+            </a:r>
+          </a:p>
+          <a:p>
+            <a:pPr marL="0" indent="0">
+              <a:buNone/>
+            </a:pPr>
+            <a:r>
+              <a:rPr lang="es-ES" dirty="0" smtClean="0"/>
+              <a:t>Usuario Google.</a:t>
+            </a:r>
+          </a:p>
+          <a:p>
+            <a:pPr marL="514350" indent="-514350">
+              <a:buFont typeface="+mj-lt"/>
+              <a:buAutoNum type="arabicPeriod"/>
+            </a:pPr>
+            <a:endParaRPr lang="es-ES" dirty="0" smtClean="0"/>
           </a:p>
         </p:txBody>
       </p:sp>
     </p:spTree>
     <p:extLst>
       <p:ext uri="{BB962C8B-B14F-4D97-AF65-F5344CB8AC3E}">
-        <p14:creationId xmlns:p14="http://schemas.microsoft.com/office/powerpoint/2010/main" val="3973787183"/>
+        <p14:creationId xmlns:p14="http://schemas.microsoft.com/office/powerpoint/2010/main" val="51523331"/>
       </p:ext>
     </p:extLst>
   </p:cSld>
@@ -10363,14 +10533,14 @@
       </p:sp>
       <p:pic>
         <p:nvPicPr>
-          <p:cNvPr id="2" name="Imagen 1"/>
+          <p:cNvPr id="7" name="Imagen 6"/>
           <p:cNvPicPr>
             <a:picLocks noChangeAspect="1"/>
           </p:cNvPicPr>
           <p:nvPr/>
         </p:nvPicPr>
         <p:blipFill>
-          <a:blip r:embed="rId2">
+          <a:blip r:embed="rId2" cstate="print">
             <a:extLst>
               <a:ext uri="{28A0092B-C50C-407E-A947-70E740481C1C}">
                 <a14:useLocalDpi xmlns:a14="http://schemas.microsoft.com/office/drawing/2010/main" val="0"/>
@@ -10383,8 +10553,8 @@
         </p:blipFill>
         <p:spPr>
           <a:xfrm>
-            <a:off x="868400" y="1527484"/>
-            <a:ext cx="7688746" cy="4847640"/>
+            <a:off x="1648328" y="1500430"/>
+            <a:ext cx="4738824" cy="4901748"/>
           </a:xfrm>
           <a:prstGeom prst="rect">
             <a:avLst/>
@@ -10393,13 +10563,13 @@
       </p:pic>
       <p:sp>
         <p:nvSpPr>
-          <p:cNvPr id="8" name="CuadroTexto 7"/>
+          <p:cNvPr id="10" name="CuadroTexto 9"/>
           <p:cNvSpPr txBox="1"/>
           <p:nvPr/>
         </p:nvSpPr>
         <p:spPr>
           <a:xfrm>
-            <a:off x="8973050" y="5914371"/>
+            <a:off x="6656649" y="5875163"/>
             <a:ext cx="3047629" cy="523220"/>
           </a:xfrm>
           <a:prstGeom prst="rect">
@@ -10438,7 +10608,7 @@
     </p:spTree>
     <p:extLst>
       <p:ext uri="{BB962C8B-B14F-4D97-AF65-F5344CB8AC3E}">
-        <p14:creationId xmlns:p14="http://schemas.microsoft.com/office/powerpoint/2010/main" val="2417778825"/>
+        <p14:creationId xmlns:p14="http://schemas.microsoft.com/office/powerpoint/2010/main" val="3973787183"/>
       </p:ext>
     </p:extLst>
   </p:cSld>
@@ -10556,7 +10726,7 @@
       </p:sp>
       <p:pic>
         <p:nvPicPr>
-          <p:cNvPr id="6" name="Imagen 5"/>
+          <p:cNvPr id="2" name="Imagen 1"/>
           <p:cNvPicPr>
             <a:picLocks noChangeAspect="1"/>
           </p:cNvPicPr>
@@ -10576,8 +10746,8 @@
         </p:blipFill>
         <p:spPr>
           <a:xfrm>
-            <a:off x="658005" y="2235098"/>
-            <a:ext cx="10966974" cy="3432412"/>
+            <a:off x="868400" y="1527484"/>
+            <a:ext cx="7688746" cy="4847640"/>
           </a:xfrm>
           <a:prstGeom prst="rect">
             <a:avLst/>
@@ -10592,8 +10762,8 @@
         </p:nvSpPr>
         <p:spPr>
           <a:xfrm>
-            <a:off x="4257803" y="5822875"/>
-            <a:ext cx="3767378" cy="523220"/>
+            <a:off x="8973050" y="5914371"/>
+            <a:ext cx="3047629" cy="523220"/>
           </a:xfrm>
           <a:prstGeom prst="rect">
             <a:avLst/>
@@ -10615,7 +10785,7 @@
                   </a:schemeClr>
                 </a:solidFill>
               </a:rPr>
-              <a:t>Diagrama de despliegue</a:t>
+              <a:t>Diagrama de clases</a:t>
             </a:r>
             <a:endParaRPr lang="es-AR" sz="2800" dirty="0">
               <a:solidFill>
@@ -10631,7 +10801,7 @@
     </p:spTree>
     <p:extLst>
       <p:ext uri="{BB962C8B-B14F-4D97-AF65-F5344CB8AC3E}">
-        <p14:creationId xmlns:p14="http://schemas.microsoft.com/office/powerpoint/2010/main" val="477534382"/>
+        <p14:creationId xmlns:p14="http://schemas.microsoft.com/office/powerpoint/2010/main" val="2417778825"/>
       </p:ext>
     </p:extLst>
   </p:cSld>
@@ -10694,7 +10864,7 @@
           <a:p>
             <a:r>
               <a:rPr lang="es-AR" dirty="0" smtClean="0"/>
-              <a:t>Implementación</a:t>
+              <a:t>Modelo de Diseño</a:t>
             </a:r>
             <a:endParaRPr lang="es-AR" dirty="0"/>
           </a:p>
@@ -10755,15 +10925,22 @@
           </p:cNvPicPr>
           <p:nvPr/>
         </p:nvPicPr>
-        <p:blipFill rotWithShape="1">
-          <a:blip r:embed="rId2"/>
-          <a:srcRect l="336" t="25062" r="76268" b="46665"/>
-          <a:stretch/>
+        <p:blipFill>
+          <a:blip r:embed="rId2">
+            <a:extLst>
+              <a:ext uri="{28A0092B-C50C-407E-A947-70E740481C1C}">
+                <a14:useLocalDpi xmlns:a14="http://schemas.microsoft.com/office/drawing/2010/main" val="0"/>
+              </a:ext>
+            </a:extLst>
+          </a:blip>
+          <a:stretch>
+            <a:fillRect/>
+          </a:stretch>
         </p:blipFill>
         <p:spPr>
           <a:xfrm>
-            <a:off x="626547" y="2014303"/>
-            <a:ext cx="4861102" cy="3302758"/>
+            <a:off x="658005" y="2235098"/>
+            <a:ext cx="10966974" cy="3432412"/>
           </a:xfrm>
           <a:prstGeom prst="rect">
             <a:avLst/>
@@ -10772,14 +10949,14 @@
       </p:pic>
       <p:sp>
         <p:nvSpPr>
-          <p:cNvPr id="7" name="CuadroTexto 6"/>
+          <p:cNvPr id="8" name="CuadroTexto 7"/>
           <p:cNvSpPr txBox="1"/>
           <p:nvPr/>
         </p:nvSpPr>
         <p:spPr>
           <a:xfrm>
-            <a:off x="4295718" y="5952484"/>
-            <a:ext cx="3645550" cy="523220"/>
+            <a:off x="4257803" y="5822875"/>
+            <a:ext cx="3767378" cy="523220"/>
           </a:xfrm>
           <a:prstGeom prst="rect">
             <a:avLst/>
@@ -10792,17 +10969,6 @@
           </a:bodyPr>
           <a:lstStyle/>
           <a:p>
-            <a:r>
-              <a:rPr lang="es-AR" sz="2800" dirty="0">
-                <a:solidFill>
-                  <a:schemeClr val="bg1">
-                    <a:lumMod val="75000"/>
-                    <a:lumOff val="25000"/>
-                  </a:schemeClr>
-                </a:solidFill>
-              </a:rPr>
-              <a:t>Estructura del </a:t>
-            </a:r>
             <a:r>
               <a:rPr lang="es-AR" sz="2800" dirty="0" smtClean="0">
                 <a:solidFill>
@@ -10812,7 +10978,7 @@
                   </a:schemeClr>
                 </a:solidFill>
               </a:rPr>
-              <a:t>proyecto</a:t>
+              <a:t>Diagrama de despliegue</a:t>
             </a:r>
             <a:endParaRPr lang="es-AR" sz="2800" dirty="0">
               <a:solidFill>
@@ -10825,33 +10991,10 @@
           </a:p>
         </p:txBody>
       </p:sp>
-      <p:pic>
-        <p:nvPicPr>
-          <p:cNvPr id="8" name="Imagen 7"/>
-          <p:cNvPicPr>
-            <a:picLocks noChangeAspect="1"/>
-          </p:cNvPicPr>
-          <p:nvPr/>
-        </p:nvPicPr>
-        <p:blipFill rotWithShape="1">
-          <a:blip r:embed="rId3"/>
-          <a:srcRect l="2686" t="13316" r="69329" b="8636"/>
-          <a:stretch/>
-        </p:blipFill>
-        <p:spPr>
-          <a:xfrm>
-            <a:off x="7254844" y="1708803"/>
-            <a:ext cx="2678866" cy="4200458"/>
-          </a:xfrm>
-          <a:prstGeom prst="rect">
-            <a:avLst/>
-          </a:prstGeom>
-        </p:spPr>
-      </p:pic>
     </p:spTree>
     <p:extLst>
       <p:ext uri="{BB962C8B-B14F-4D97-AF65-F5344CB8AC3E}">
-        <p14:creationId xmlns:p14="http://schemas.microsoft.com/office/powerpoint/2010/main" val="1837470963"/>
+        <p14:creationId xmlns:p14="http://schemas.microsoft.com/office/powerpoint/2010/main" val="477534382"/>
       </p:ext>
     </p:extLst>
   </p:cSld>
